--- a/figures/usage_mediationfigures.pptx
+++ b/figures/usage_mediationfigures.pptx
@@ -6,7 +6,6 @@
   </p:sldMasterIdLst>
   <p:sldIdLst>
     <p:sldId id="256" r:id="rId2"/>
-    <p:sldId id="257" r:id="rId3"/>
   </p:sldIdLst>
   <p:sldSz cx="12192000" cy="6858000"/>
   <p:notesSz cx="6858000" cy="9144000"/>
@@ -260,7 +259,7 @@
           <a:p>
             <a:fld id="{FFDB7977-269E-3544-BEC0-AA1CE470634B}" type="datetimeFigureOut">
               <a:rPr lang="en-US" smtClean="0"/>
-              <a:t>4/4/23</a:t>
+              <a:t>7/3/23</a:t>
             </a:fld>
             <a:endParaRPr lang="en-US"/>
           </a:p>
@@ -458,7 +457,7 @@
           <a:p>
             <a:fld id="{FFDB7977-269E-3544-BEC0-AA1CE470634B}" type="datetimeFigureOut">
               <a:rPr lang="en-US" smtClean="0"/>
-              <a:t>4/4/23</a:t>
+              <a:t>7/3/23</a:t>
             </a:fld>
             <a:endParaRPr lang="en-US"/>
           </a:p>
@@ -666,7 +665,7 @@
           <a:p>
             <a:fld id="{FFDB7977-269E-3544-BEC0-AA1CE470634B}" type="datetimeFigureOut">
               <a:rPr lang="en-US" smtClean="0"/>
-              <a:t>4/4/23</a:t>
+              <a:t>7/3/23</a:t>
             </a:fld>
             <a:endParaRPr lang="en-US"/>
           </a:p>
@@ -864,7 +863,7 @@
           <a:p>
             <a:fld id="{FFDB7977-269E-3544-BEC0-AA1CE470634B}" type="datetimeFigureOut">
               <a:rPr lang="en-US" smtClean="0"/>
-              <a:t>4/4/23</a:t>
+              <a:t>7/3/23</a:t>
             </a:fld>
             <a:endParaRPr lang="en-US"/>
           </a:p>
@@ -1139,7 +1138,7 @@
           <a:p>
             <a:fld id="{FFDB7977-269E-3544-BEC0-AA1CE470634B}" type="datetimeFigureOut">
               <a:rPr lang="en-US" smtClean="0"/>
-              <a:t>4/4/23</a:t>
+              <a:t>7/3/23</a:t>
             </a:fld>
             <a:endParaRPr lang="en-US"/>
           </a:p>
@@ -1404,7 +1403,7 @@
           <a:p>
             <a:fld id="{FFDB7977-269E-3544-BEC0-AA1CE470634B}" type="datetimeFigureOut">
               <a:rPr lang="en-US" smtClean="0"/>
-              <a:t>4/4/23</a:t>
+              <a:t>7/3/23</a:t>
             </a:fld>
             <a:endParaRPr lang="en-US"/>
           </a:p>
@@ -1816,7 +1815,7 @@
           <a:p>
             <a:fld id="{FFDB7977-269E-3544-BEC0-AA1CE470634B}" type="datetimeFigureOut">
               <a:rPr lang="en-US" smtClean="0"/>
-              <a:t>4/4/23</a:t>
+              <a:t>7/3/23</a:t>
             </a:fld>
             <a:endParaRPr lang="en-US"/>
           </a:p>
@@ -1957,7 +1956,7 @@
           <a:p>
             <a:fld id="{FFDB7977-269E-3544-BEC0-AA1CE470634B}" type="datetimeFigureOut">
               <a:rPr lang="en-US" smtClean="0"/>
-              <a:t>4/4/23</a:t>
+              <a:t>7/3/23</a:t>
             </a:fld>
             <a:endParaRPr lang="en-US"/>
           </a:p>
@@ -2070,7 +2069,7 @@
           <a:p>
             <a:fld id="{FFDB7977-269E-3544-BEC0-AA1CE470634B}" type="datetimeFigureOut">
               <a:rPr lang="en-US" smtClean="0"/>
-              <a:t>4/4/23</a:t>
+              <a:t>7/3/23</a:t>
             </a:fld>
             <a:endParaRPr lang="en-US"/>
           </a:p>
@@ -2381,7 +2380,7 @@
           <a:p>
             <a:fld id="{FFDB7977-269E-3544-BEC0-AA1CE470634B}" type="datetimeFigureOut">
               <a:rPr lang="en-US" smtClean="0"/>
-              <a:t>4/4/23</a:t>
+              <a:t>7/3/23</a:t>
             </a:fld>
             <a:endParaRPr lang="en-US"/>
           </a:p>
@@ -2669,7 +2668,7 @@
           <a:p>
             <a:fld id="{FFDB7977-269E-3544-BEC0-AA1CE470634B}" type="datetimeFigureOut">
               <a:rPr lang="en-US" smtClean="0"/>
-              <a:t>4/4/23</a:t>
+              <a:t>7/3/23</a:t>
             </a:fld>
             <a:endParaRPr lang="en-US"/>
           </a:p>
@@ -2910,7 +2909,7 @@
           <a:p>
             <a:fld id="{FFDB7977-269E-3544-BEC0-AA1CE470634B}" type="datetimeFigureOut">
               <a:rPr lang="en-US" smtClean="0"/>
-              <a:t>4/4/23</a:t>
+              <a:t>7/3/23</a:t>
             </a:fld>
             <a:endParaRPr lang="en-US"/>
           </a:p>
@@ -3611,8 +3610,8 @@
         </p:nvSpPr>
         <p:spPr>
           <a:xfrm>
-            <a:off x="4489450" y="5295900"/>
-            <a:ext cx="4521200" cy="923330"/>
+            <a:off x="4025900" y="5238466"/>
+            <a:ext cx="4521200" cy="646331"/>
           </a:xfrm>
           <a:prstGeom prst="rect">
             <a:avLst/>
@@ -3627,13 +3626,7 @@
           <a:p>
             <a:r>
               <a:rPr lang="en-US" dirty="0"/>
-              <a:t>Average Causal Mediative Effect: -0.04</a:t>
-            </a:r>
-          </a:p>
-          <a:p>
-            <a:r>
-              <a:rPr lang="en-US" dirty="0"/>
-              <a:t>Average Direct Effect: -0.25</a:t>
+              <a:t>Average Causal Mediative Effect: -0.04 (**)</a:t>
             </a:r>
           </a:p>
           <a:p>
@@ -3644,321 +3637,21 @@
           </a:p>
         </p:txBody>
       </p:sp>
-    </p:spTree>
-    <p:extLst>
-      <p:ext uri="{BB962C8B-B14F-4D97-AF65-F5344CB8AC3E}">
-        <p14:creationId xmlns:p14="http://schemas.microsoft.com/office/powerpoint/2010/main" val="1296474082"/>
-      </p:ext>
-    </p:extLst>
-  </p:cSld>
-  <p:clrMapOvr>
-    <a:masterClrMapping/>
-  </p:clrMapOvr>
-</p:sld>
-</file>
-
-<file path=ppt/slides/slide2.xml><?xml version="1.0" encoding="utf-8"?>
-<p:sld xmlns:a="http://schemas.openxmlformats.org/drawingml/2006/main" xmlns:r="http://schemas.openxmlformats.org/officeDocument/2006/relationships" xmlns:p="http://schemas.openxmlformats.org/presentationml/2006/main">
-  <p:cSld>
-    <p:spTree>
-      <p:nvGrpSpPr>
-        <p:cNvPr id="1" name=""/>
-        <p:cNvGrpSpPr/>
-        <p:nvPr/>
-      </p:nvGrpSpPr>
-      <p:grpSpPr>
-        <a:xfrm>
-          <a:off x="0" y="0"/>
-          <a:ext cx="0" cy="0"/>
-          <a:chOff x="0" y="0"/>
-          <a:chExt cx="0" cy="0"/>
-        </a:xfrm>
-      </p:grpSpPr>
-      <p:sp>
-        <p:nvSpPr>
-          <p:cNvPr id="4" name="Rectangle 3">
-            <a:extLst>
-              <a:ext uri="{FF2B5EF4-FFF2-40B4-BE49-F238E27FC236}">
-                <a16:creationId xmlns:a16="http://schemas.microsoft.com/office/drawing/2014/main" id="{28E7158A-8AAE-C33A-18E3-303E88401659}"/>
-              </a:ext>
-            </a:extLst>
-          </p:cNvPr>
-          <p:cNvSpPr/>
+      <p:sp>
+        <p:nvSpPr>
+          <p:cNvPr id="2" name="TextBox 1">
+            <a:extLst>
+              <a:ext uri="{FF2B5EF4-FFF2-40B4-BE49-F238E27FC236}">
+                <a16:creationId xmlns:a16="http://schemas.microsoft.com/office/drawing/2014/main" id="{9AEECD51-56B6-5A13-C3BC-DBD707B218A1}"/>
+              </a:ext>
+            </a:extLst>
+          </p:cNvPr>
+          <p:cNvSpPr txBox="1"/>
           <p:nvPr/>
         </p:nvSpPr>
         <p:spPr>
           <a:xfrm>
-            <a:off x="1206500" y="3543300"/>
-            <a:ext cx="2146300" cy="1206500"/>
-          </a:xfrm>
-          <a:prstGeom prst="rect">
-            <a:avLst/>
-          </a:prstGeom>
-        </p:spPr>
-        <p:style>
-          <a:lnRef idx="2">
-            <a:schemeClr val="accent1">
-              <a:shade val="50000"/>
-            </a:schemeClr>
-          </a:lnRef>
-          <a:fillRef idx="1">
-            <a:schemeClr val="accent1"/>
-          </a:fillRef>
-          <a:effectRef idx="0">
-            <a:schemeClr val="accent1"/>
-          </a:effectRef>
-          <a:fontRef idx="minor">
-            <a:schemeClr val="lt1"/>
-          </a:fontRef>
-        </p:style>
-        <p:txBody>
-          <a:bodyPr rtlCol="0" anchor="ctr"/>
-          <a:lstStyle/>
-          <a:p>
-            <a:pPr algn="ctr"/>
-            <a:r>
-              <a:rPr lang="en-US" dirty="0"/>
-              <a:t>Deprivation Sum</a:t>
-            </a:r>
-          </a:p>
-        </p:txBody>
-      </p:sp>
-      <p:sp>
-        <p:nvSpPr>
-          <p:cNvPr id="5" name="Rectangle 4">
-            <a:extLst>
-              <a:ext uri="{FF2B5EF4-FFF2-40B4-BE49-F238E27FC236}">
-                <a16:creationId xmlns:a16="http://schemas.microsoft.com/office/drawing/2014/main" id="{3E0D75FC-3050-D8F6-F0FC-61613DD4DCD5}"/>
-              </a:ext>
-            </a:extLst>
-          </p:cNvPr>
-          <p:cNvSpPr/>
-          <p:nvPr/>
-        </p:nvSpPr>
-        <p:spPr>
-          <a:xfrm>
-            <a:off x="8750300" y="3429000"/>
-            <a:ext cx="2146300" cy="1206500"/>
-          </a:xfrm>
-          <a:prstGeom prst="rect">
-            <a:avLst/>
-          </a:prstGeom>
-        </p:spPr>
-        <p:style>
-          <a:lnRef idx="2">
-            <a:schemeClr val="accent1">
-              <a:shade val="50000"/>
-            </a:schemeClr>
-          </a:lnRef>
-          <a:fillRef idx="1">
-            <a:schemeClr val="accent1"/>
-          </a:fillRef>
-          <a:effectRef idx="0">
-            <a:schemeClr val="accent1"/>
-          </a:effectRef>
-          <a:fontRef idx="minor">
-            <a:schemeClr val="lt1"/>
-          </a:fontRef>
-        </p:style>
-        <p:txBody>
-          <a:bodyPr rtlCol="0" anchor="ctr"/>
-          <a:lstStyle/>
-          <a:p>
-            <a:pPr algn="ctr"/>
-            <a:r>
-              <a:rPr lang="en-US" dirty="0"/>
-              <a:t>Resilience</a:t>
-            </a:r>
-          </a:p>
-        </p:txBody>
-      </p:sp>
-      <p:sp>
-        <p:nvSpPr>
-          <p:cNvPr id="6" name="Rectangle 5">
-            <a:extLst>
-              <a:ext uri="{FF2B5EF4-FFF2-40B4-BE49-F238E27FC236}">
-                <a16:creationId xmlns:a16="http://schemas.microsoft.com/office/drawing/2014/main" id="{A56F0685-29A1-EF9C-F8E5-6E706E927625}"/>
-              </a:ext>
-            </a:extLst>
-          </p:cNvPr>
-          <p:cNvSpPr/>
-          <p:nvPr/>
-        </p:nvSpPr>
-        <p:spPr>
-          <a:xfrm>
-            <a:off x="5022850" y="1562100"/>
-            <a:ext cx="2146300" cy="1206500"/>
-          </a:xfrm>
-          <a:prstGeom prst="rect">
-            <a:avLst/>
-          </a:prstGeom>
-        </p:spPr>
-        <p:style>
-          <a:lnRef idx="2">
-            <a:schemeClr val="accent1">
-              <a:shade val="50000"/>
-            </a:schemeClr>
-          </a:lnRef>
-          <a:fillRef idx="1">
-            <a:schemeClr val="accent1"/>
-          </a:fillRef>
-          <a:effectRef idx="0">
-            <a:schemeClr val="accent1"/>
-          </a:effectRef>
-          <a:fontRef idx="minor">
-            <a:schemeClr val="lt1"/>
-          </a:fontRef>
-        </p:style>
-        <p:txBody>
-          <a:bodyPr rtlCol="0" anchor="ctr"/>
-          <a:lstStyle/>
-          <a:p>
-            <a:pPr algn="ctr"/>
-            <a:r>
-              <a:rPr lang="en-US" dirty="0"/>
-              <a:t>AIMS</a:t>
-            </a:r>
-          </a:p>
-        </p:txBody>
-      </p:sp>
-      <p:cxnSp>
-        <p:nvCxnSpPr>
-          <p:cNvPr id="7" name="Straight Arrow Connector 6">
-            <a:extLst>
-              <a:ext uri="{FF2B5EF4-FFF2-40B4-BE49-F238E27FC236}">
-                <a16:creationId xmlns:a16="http://schemas.microsoft.com/office/drawing/2014/main" id="{138C26CC-D26E-CF40-84C6-0518E1CB99DD}"/>
-              </a:ext>
-            </a:extLst>
-          </p:cNvPr>
-          <p:cNvCxnSpPr>
-            <a:cxnSpLocks/>
-          </p:cNvCxnSpPr>
-          <p:nvPr/>
-        </p:nvCxnSpPr>
-        <p:spPr>
-          <a:xfrm flipV="1">
-            <a:off x="3479800" y="2590800"/>
-            <a:ext cx="1397000" cy="838200"/>
-          </a:xfrm>
-          <a:prstGeom prst="straightConnector1">
-            <a:avLst/>
-          </a:prstGeom>
-          <a:ln>
-            <a:tailEnd type="triangle"/>
-          </a:ln>
-        </p:spPr>
-        <p:style>
-          <a:lnRef idx="1">
-            <a:schemeClr val="accent1"/>
-          </a:lnRef>
-          <a:fillRef idx="0">
-            <a:schemeClr val="accent1"/>
-          </a:fillRef>
-          <a:effectRef idx="0">
-            <a:schemeClr val="accent1"/>
-          </a:effectRef>
-          <a:fontRef idx="minor">
-            <a:schemeClr val="tx1"/>
-          </a:fontRef>
-        </p:style>
-      </p:cxnSp>
-      <p:cxnSp>
-        <p:nvCxnSpPr>
-          <p:cNvPr id="8" name="Straight Arrow Connector 7">
-            <a:extLst>
-              <a:ext uri="{FF2B5EF4-FFF2-40B4-BE49-F238E27FC236}">
-                <a16:creationId xmlns:a16="http://schemas.microsoft.com/office/drawing/2014/main" id="{17E67B9B-7B56-CAB2-874E-3A35314729CE}"/>
-              </a:ext>
-            </a:extLst>
-          </p:cNvPr>
-          <p:cNvCxnSpPr>
-            <a:cxnSpLocks/>
-          </p:cNvCxnSpPr>
-          <p:nvPr/>
-        </p:nvCxnSpPr>
-        <p:spPr>
-          <a:xfrm>
-            <a:off x="7315200" y="2705100"/>
-            <a:ext cx="1231900" cy="723900"/>
-          </a:xfrm>
-          <a:prstGeom prst="straightConnector1">
-            <a:avLst/>
-          </a:prstGeom>
-          <a:ln>
-            <a:tailEnd type="triangle"/>
-          </a:ln>
-        </p:spPr>
-        <p:style>
-          <a:lnRef idx="1">
-            <a:schemeClr val="accent1"/>
-          </a:lnRef>
-          <a:fillRef idx="0">
-            <a:schemeClr val="accent1"/>
-          </a:fillRef>
-          <a:effectRef idx="0">
-            <a:schemeClr val="accent1"/>
-          </a:effectRef>
-          <a:fontRef idx="minor">
-            <a:schemeClr val="tx1"/>
-          </a:fontRef>
-        </p:style>
-      </p:cxnSp>
-      <p:cxnSp>
-        <p:nvCxnSpPr>
-          <p:cNvPr id="9" name="Straight Arrow Connector 8">
-            <a:extLst>
-              <a:ext uri="{FF2B5EF4-FFF2-40B4-BE49-F238E27FC236}">
-                <a16:creationId xmlns:a16="http://schemas.microsoft.com/office/drawing/2014/main" id="{F3392D0C-8CED-4AB5-42C8-BF0236FD97F0}"/>
-              </a:ext>
-            </a:extLst>
-          </p:cNvPr>
-          <p:cNvCxnSpPr>
-            <a:cxnSpLocks/>
-          </p:cNvCxnSpPr>
-          <p:nvPr/>
-        </p:nvCxnSpPr>
-        <p:spPr>
-          <a:xfrm>
-            <a:off x="3956050" y="4229100"/>
-            <a:ext cx="4279900" cy="0"/>
-          </a:xfrm>
-          <a:prstGeom prst="straightConnector1">
-            <a:avLst/>
-          </a:prstGeom>
-          <a:ln>
-            <a:tailEnd type="triangle"/>
-          </a:ln>
-        </p:spPr>
-        <p:style>
-          <a:lnRef idx="1">
-            <a:schemeClr val="accent1"/>
-          </a:lnRef>
-          <a:fillRef idx="0">
-            <a:schemeClr val="accent1"/>
-          </a:fillRef>
-          <a:effectRef idx="0">
-            <a:schemeClr val="accent1"/>
-          </a:effectRef>
-          <a:fontRef idx="minor">
-            <a:schemeClr val="tx1"/>
-          </a:fontRef>
-        </p:style>
-      </p:cxnSp>
-      <p:sp>
-        <p:nvSpPr>
-          <p:cNvPr id="10" name="TextBox 9">
-            <a:extLst>
-              <a:ext uri="{FF2B5EF4-FFF2-40B4-BE49-F238E27FC236}">
-                <a16:creationId xmlns:a16="http://schemas.microsoft.com/office/drawing/2014/main" id="{20FE91B1-DC3B-C22F-2E07-3CBED7D1FEEF}"/>
-              </a:ext>
-            </a:extLst>
-          </p:cNvPr>
-          <p:cNvSpPr txBox="1"/>
-          <p:nvPr/>
-        </p:nvSpPr>
-        <p:spPr>
-          <a:xfrm>
-            <a:off x="5340350" y="4520168"/>
+            <a:off x="5111750" y="4411702"/>
             <a:ext cx="2819400" cy="369332"/>
           </a:xfrm>
           <a:prstGeom prst="rect">
@@ -3974,17 +3667,17 @@
           <a:p>
             <a:r>
               <a:rPr lang="en-US" dirty="0"/>
-              <a:t>B = -0.13</a:t>
-            </a:r>
-          </a:p>
-        </p:txBody>
-      </p:sp>
-      <p:sp>
-        <p:nvSpPr>
-          <p:cNvPr id="11" name="TextBox 10">
-            <a:extLst>
-              <a:ext uri="{FF2B5EF4-FFF2-40B4-BE49-F238E27FC236}">
-                <a16:creationId xmlns:a16="http://schemas.microsoft.com/office/drawing/2014/main" id="{CEC8E0D9-53AF-5FCC-EC5E-8706CAF14605}"/>
+              <a:t>B = -0.25 (***)</a:t>
+            </a:r>
+          </a:p>
+        </p:txBody>
+      </p:sp>
+      <p:sp>
+        <p:nvSpPr>
+          <p:cNvPr id="3" name="TextBox 2">
+            <a:extLst>
+              <a:ext uri="{FF2B5EF4-FFF2-40B4-BE49-F238E27FC236}">
+                <a16:creationId xmlns:a16="http://schemas.microsoft.com/office/drawing/2014/main" id="{F9EEB767-2ABB-FB6C-0E67-777589AC6140}"/>
               </a:ext>
             </a:extLst>
           </p:cNvPr>
@@ -3992,8 +3685,8 @@
           <p:nvPr/>
         </p:nvSpPr>
         <p:spPr>
-          <a:xfrm rot="1860365">
-            <a:off x="7340598" y="3058131"/>
+          <a:xfrm rot="19755921">
+            <a:off x="3138493" y="2238081"/>
             <a:ext cx="2819400" cy="369332"/>
           </a:xfrm>
           <a:prstGeom prst="rect">
@@ -4009,17 +3702,17 @@
           <a:p>
             <a:r>
               <a:rPr lang="en-US" dirty="0"/>
-              <a:t>B = 0.13</a:t>
-            </a:r>
-          </a:p>
-        </p:txBody>
-      </p:sp>
-      <p:sp>
-        <p:nvSpPr>
-          <p:cNvPr id="12" name="TextBox 11">
-            <a:extLst>
-              <a:ext uri="{FF2B5EF4-FFF2-40B4-BE49-F238E27FC236}">
-                <a16:creationId xmlns:a16="http://schemas.microsoft.com/office/drawing/2014/main" id="{2155D7B1-27A5-7337-3AF7-2D2A801AEA32}"/>
+              <a:t>B = 0.13 (*)</a:t>
+            </a:r>
+          </a:p>
+        </p:txBody>
+      </p:sp>
+      <p:sp>
+        <p:nvSpPr>
+          <p:cNvPr id="7" name="TextBox 6">
+            <a:extLst>
+              <a:ext uri="{FF2B5EF4-FFF2-40B4-BE49-F238E27FC236}">
+                <a16:creationId xmlns:a16="http://schemas.microsoft.com/office/drawing/2014/main" id="{DA3FA33A-EF9A-86B0-B625-2BF2ED1506F0}"/>
               </a:ext>
             </a:extLst>
           </p:cNvPr>
@@ -4027,8 +3720,8 @@
           <p:nvPr/>
         </p:nvSpPr>
         <p:spPr>
-          <a:xfrm rot="19664387">
-            <a:off x="3185311" y="2209801"/>
+          <a:xfrm rot="2042839">
+            <a:off x="7340600" y="3078543"/>
             <a:ext cx="2819400" cy="369332"/>
           </a:xfrm>
           <a:prstGeom prst="rect">
@@ -4044,54 +3737,7 @@
           <a:p>
             <a:r>
               <a:rPr lang="en-US" dirty="0"/>
-              <a:t>B = 0.19</a:t>
-            </a:r>
-          </a:p>
-        </p:txBody>
-      </p:sp>
-      <p:sp>
-        <p:nvSpPr>
-          <p:cNvPr id="13" name="TextBox 12">
-            <a:extLst>
-              <a:ext uri="{FF2B5EF4-FFF2-40B4-BE49-F238E27FC236}">
-                <a16:creationId xmlns:a16="http://schemas.microsoft.com/office/drawing/2014/main" id="{85062A84-3CEE-F68C-65A0-5BF18E5F5004}"/>
-              </a:ext>
-            </a:extLst>
-          </p:cNvPr>
-          <p:cNvSpPr txBox="1"/>
-          <p:nvPr/>
-        </p:nvSpPr>
-        <p:spPr>
-          <a:xfrm>
-            <a:off x="4489450" y="5295900"/>
-            <a:ext cx="4521200" cy="1200329"/>
-          </a:xfrm>
-          <a:prstGeom prst="rect">
-            <a:avLst/>
-          </a:prstGeom>
-          <a:noFill/>
-        </p:spPr>
-        <p:txBody>
-          <a:bodyPr wrap="square" rtlCol="0">
-            <a:spAutoFit/>
-          </a:bodyPr>
-          <a:lstStyle/>
-          <a:p>
-            <a:r>
-              <a:rPr lang="en-US" dirty="0"/>
-              <a:t>Average Causal Mediative Effect: -0.02 (p = 0.05)</a:t>
-            </a:r>
-          </a:p>
-          <a:p>
-            <a:r>
-              <a:rPr lang="en-US" dirty="0"/>
-              <a:t>Average Direct Effect: -0.15 (*)</a:t>
-            </a:r>
-          </a:p>
-          <a:p>
-            <a:r>
-              <a:rPr lang="en-US" dirty="0"/>
-              <a:t>Total Proportion Mediated: 0.11 (*)</a:t>
+              <a:t>B = 0.16 (**)</a:t>
             </a:r>
           </a:p>
         </p:txBody>
@@ -4099,7 +3745,7 @@
     </p:spTree>
     <p:extLst>
       <p:ext uri="{BB962C8B-B14F-4D97-AF65-F5344CB8AC3E}">
-        <p14:creationId xmlns:p14="http://schemas.microsoft.com/office/powerpoint/2010/main" val="332646855"/>
+        <p14:creationId xmlns:p14="http://schemas.microsoft.com/office/powerpoint/2010/main" val="1296474082"/>
       </p:ext>
     </p:extLst>
   </p:cSld>
